--- a/Test1/frames.pptx
+++ b/Test1/frames.pptx
@@ -260,7 +260,7 @@
           <a:p>
             <a:fld id="{384F77AB-CF4A-1344-AA19-0D1B2871878B}" type="datetimeFigureOut">
               <a:rPr lang="en-US" smtClean="0"/>
-              <a:t>1/26/21</a:t>
+              <a:t>1/29/21</a:t>
             </a:fld>
             <a:endParaRPr lang="en-US"/>
           </a:p>
@@ -458,7 +458,7 @@
           <a:p>
             <a:fld id="{384F77AB-CF4A-1344-AA19-0D1B2871878B}" type="datetimeFigureOut">
               <a:rPr lang="en-US" smtClean="0"/>
-              <a:t>1/26/21</a:t>
+              <a:t>1/29/21</a:t>
             </a:fld>
             <a:endParaRPr lang="en-US"/>
           </a:p>
@@ -666,7 +666,7 @@
           <a:p>
             <a:fld id="{384F77AB-CF4A-1344-AA19-0D1B2871878B}" type="datetimeFigureOut">
               <a:rPr lang="en-US" smtClean="0"/>
-              <a:t>1/26/21</a:t>
+              <a:t>1/29/21</a:t>
             </a:fld>
             <a:endParaRPr lang="en-US"/>
           </a:p>
@@ -864,7 +864,7 @@
           <a:p>
             <a:fld id="{384F77AB-CF4A-1344-AA19-0D1B2871878B}" type="datetimeFigureOut">
               <a:rPr lang="en-US" smtClean="0"/>
-              <a:t>1/26/21</a:t>
+              <a:t>1/29/21</a:t>
             </a:fld>
             <a:endParaRPr lang="en-US"/>
           </a:p>
@@ -1139,7 +1139,7 @@
           <a:p>
             <a:fld id="{384F77AB-CF4A-1344-AA19-0D1B2871878B}" type="datetimeFigureOut">
               <a:rPr lang="en-US" smtClean="0"/>
-              <a:t>1/26/21</a:t>
+              <a:t>1/29/21</a:t>
             </a:fld>
             <a:endParaRPr lang="en-US"/>
           </a:p>
@@ -1404,7 +1404,7 @@
           <a:p>
             <a:fld id="{384F77AB-CF4A-1344-AA19-0D1B2871878B}" type="datetimeFigureOut">
               <a:rPr lang="en-US" smtClean="0"/>
-              <a:t>1/26/21</a:t>
+              <a:t>1/29/21</a:t>
             </a:fld>
             <a:endParaRPr lang="en-US"/>
           </a:p>
@@ -1816,7 +1816,7 @@
           <a:p>
             <a:fld id="{384F77AB-CF4A-1344-AA19-0D1B2871878B}" type="datetimeFigureOut">
               <a:rPr lang="en-US" smtClean="0"/>
-              <a:t>1/26/21</a:t>
+              <a:t>1/29/21</a:t>
             </a:fld>
             <a:endParaRPr lang="en-US"/>
           </a:p>
@@ -1957,7 +1957,7 @@
           <a:p>
             <a:fld id="{384F77AB-CF4A-1344-AA19-0D1B2871878B}" type="datetimeFigureOut">
               <a:rPr lang="en-US" smtClean="0"/>
-              <a:t>1/26/21</a:t>
+              <a:t>1/29/21</a:t>
             </a:fld>
             <a:endParaRPr lang="en-US"/>
           </a:p>
@@ -2070,7 +2070,7 @@
           <a:p>
             <a:fld id="{384F77AB-CF4A-1344-AA19-0D1B2871878B}" type="datetimeFigureOut">
               <a:rPr lang="en-US" smtClean="0"/>
-              <a:t>1/26/21</a:t>
+              <a:t>1/29/21</a:t>
             </a:fld>
             <a:endParaRPr lang="en-US"/>
           </a:p>
@@ -2381,7 +2381,7 @@
           <a:p>
             <a:fld id="{384F77AB-CF4A-1344-AA19-0D1B2871878B}" type="datetimeFigureOut">
               <a:rPr lang="en-US" smtClean="0"/>
-              <a:t>1/26/21</a:t>
+              <a:t>1/29/21</a:t>
             </a:fld>
             <a:endParaRPr lang="en-US"/>
           </a:p>
@@ -2669,7 +2669,7 @@
           <a:p>
             <a:fld id="{384F77AB-CF4A-1344-AA19-0D1B2871878B}" type="datetimeFigureOut">
               <a:rPr lang="en-US" smtClean="0"/>
-              <a:t>1/26/21</a:t>
+              <a:t>1/29/21</a:t>
             </a:fld>
             <a:endParaRPr lang="en-US"/>
           </a:p>
@@ -2910,7 +2910,7 @@
           <a:p>
             <a:fld id="{384F77AB-CF4A-1344-AA19-0D1B2871878B}" type="datetimeFigureOut">
               <a:rPr lang="en-US" smtClean="0"/>
-              <a:t>1/26/21</a:t>
+              <a:t>1/29/21</a:t>
             </a:fld>
             <a:endParaRPr lang="en-US"/>
           </a:p>
@@ -3341,7 +3341,7 @@
         </p:nvCxnSpPr>
         <p:spPr>
           <a:xfrm>
-            <a:off x="2022898" y="4817762"/>
+            <a:off x="621609" y="4817762"/>
             <a:ext cx="1519881" cy="0"/>
           </a:xfrm>
           <a:prstGeom prst="straightConnector1">
@@ -3380,7 +3380,7 @@
         </p:nvSpPr>
         <p:spPr>
           <a:xfrm>
-            <a:off x="2228038" y="1654432"/>
+            <a:off x="826749" y="1654432"/>
             <a:ext cx="1109599" cy="369332"/>
           </a:xfrm>
           <a:prstGeom prst="rect">
@@ -3418,7 +3418,7 @@
         </p:nvCxnSpPr>
         <p:spPr>
           <a:xfrm flipV="1">
-            <a:off x="2022898" y="3344563"/>
+            <a:off x="621609" y="3344563"/>
             <a:ext cx="0" cy="1473199"/>
           </a:xfrm>
           <a:prstGeom prst="straightConnector1">
@@ -3462,7 +3462,7 @@
         </p:nvCxnSpPr>
         <p:spPr>
           <a:xfrm flipV="1">
-            <a:off x="2022898" y="3767438"/>
+            <a:off x="621609" y="3767438"/>
             <a:ext cx="1314739" cy="1050324"/>
           </a:xfrm>
           <a:prstGeom prst="straightConnector1">
@@ -3506,7 +3506,7 @@
         </p:nvCxnSpPr>
         <p:spPr>
           <a:xfrm flipV="1">
-            <a:off x="2285167" y="3170575"/>
+            <a:off x="883878" y="3170575"/>
             <a:ext cx="1937137" cy="1550700"/>
           </a:xfrm>
           <a:prstGeom prst="line">
@@ -3547,7 +3547,7 @@
         </p:nvSpPr>
         <p:spPr>
           <a:xfrm>
-            <a:off x="2315532" y="3602769"/>
+            <a:off x="914243" y="3602769"/>
             <a:ext cx="1899684" cy="1145260"/>
           </a:xfrm>
           <a:custGeom>
@@ -3694,7 +3694,7 @@
         </p:nvCxnSpPr>
         <p:spPr>
           <a:xfrm>
-            <a:off x="4208128" y="2738382"/>
+            <a:off x="2806839" y="2738382"/>
             <a:ext cx="0" cy="432193"/>
           </a:xfrm>
           <a:prstGeom prst="straightConnector1">
@@ -3736,7 +3736,7 @@
         </p:nvSpPr>
         <p:spPr>
           <a:xfrm>
-            <a:off x="4296889" y="2735640"/>
+            <a:off x="2895600" y="2735640"/>
             <a:ext cx="1008609" cy="276999"/>
           </a:xfrm>
           <a:prstGeom prst="rect">
@@ -3785,7 +3785,7 @@
         </p:nvCxnSpPr>
         <p:spPr>
           <a:xfrm>
-            <a:off x="4209946" y="3287823"/>
+            <a:off x="2808657" y="3287823"/>
             <a:ext cx="0" cy="241005"/>
           </a:xfrm>
           <a:prstGeom prst="straightConnector1">
@@ -3830,7 +3830,7 @@
         </p:nvCxnSpPr>
         <p:spPr>
           <a:xfrm flipH="1">
-            <a:off x="4037191" y="3281879"/>
+            <a:off x="2635902" y="3281879"/>
             <a:ext cx="163032" cy="166578"/>
           </a:xfrm>
           <a:prstGeom prst="straightConnector1">
@@ -3873,7 +3873,7 @@
         </p:nvSpPr>
         <p:spPr>
           <a:xfrm>
-            <a:off x="4279021" y="3263387"/>
+            <a:off x="2933902" y="3251829"/>
             <a:ext cx="1306851" cy="276999"/>
           </a:xfrm>
           <a:prstGeom prst="rect">
@@ -3893,7 +3893,7 @@
                   <a:schemeClr val="accent4"/>
                 </a:solidFill>
               </a:rPr>
-              <a:t>u_x = -7.8039 m </a:t>
+              <a:t>u_x = </a:t>
             </a:r>
           </a:p>
         </p:txBody>
@@ -3912,8 +3912,8 @@
         </p:nvSpPr>
         <p:spPr>
           <a:xfrm>
-            <a:off x="2927867" y="3103777"/>
-            <a:ext cx="1229824" cy="276999"/>
+            <a:off x="2061197" y="3023565"/>
+            <a:ext cx="518091" cy="276999"/>
           </a:xfrm>
           <a:prstGeom prst="rect">
             <a:avLst/>
@@ -3932,7 +3932,7 @@
                   <a:schemeClr val="accent2"/>
                 </a:solidFill>
               </a:rPr>
-              <a:t>u_z = -4.9533 m </a:t>
+              <a:t>u_z =</a:t>
             </a:r>
           </a:p>
         </p:txBody>
@@ -3951,7 +3951,7 @@
         </p:nvSpPr>
         <p:spPr>
           <a:xfrm>
-            <a:off x="3226026" y="4875587"/>
+            <a:off x="1824737" y="4875587"/>
             <a:ext cx="256802" cy="276999"/>
           </a:xfrm>
           <a:prstGeom prst="rect">
@@ -3990,8 +3990,8 @@
         </p:nvSpPr>
         <p:spPr>
           <a:xfrm>
-            <a:off x="4288745" y="3010151"/>
-            <a:ext cx="838691" cy="276999"/>
+            <a:off x="2887456" y="3010151"/>
+            <a:ext cx="529312" cy="276999"/>
           </a:xfrm>
           <a:prstGeom prst="rect">
             <a:avLst/>
@@ -4004,13 +4004,21 @@
           </a:bodyPr>
           <a:lstStyle/>
           <a:p>
+            <a:r>
+              <a:rPr lang="en-US" sz="1200" b="1" dirty="0" err="1">
+                <a:solidFill>
+                  <a:schemeClr val="accent1"/>
+                </a:solidFill>
+              </a:rPr>
+              <a:t>u_y</a:t>
+            </a:r>
             <a:r>
               <a:rPr lang="en-US" sz="1200" b="1" dirty="0">
                 <a:solidFill>
                   <a:schemeClr val="accent1"/>
                 </a:solidFill>
               </a:rPr>
-              <a:t>u_y = 0 m </a:t>
+              <a:t> =</a:t>
             </a:r>
           </a:p>
         </p:txBody>
@@ -4029,7 +4037,7 @@
         </p:nvSpPr>
         <p:spPr>
           <a:xfrm>
-            <a:off x="2996933" y="3600027"/>
+            <a:off x="1595644" y="3600027"/>
             <a:ext cx="245580" cy="276999"/>
           </a:xfrm>
           <a:prstGeom prst="rect">
@@ -4068,7 +4076,7 @@
         </p:nvSpPr>
         <p:spPr>
           <a:xfrm>
-            <a:off x="1730265" y="3281879"/>
+            <a:off x="328976" y="3281879"/>
             <a:ext cx="255198" cy="276999"/>
           </a:xfrm>
           <a:prstGeom prst="rect">
@@ -4109,7 +4117,7 @@
         </p:nvCxnSpPr>
         <p:spPr>
           <a:xfrm flipH="1">
-            <a:off x="6951487" y="4815020"/>
+            <a:off x="4378818" y="4817762"/>
             <a:ext cx="463248" cy="0"/>
           </a:xfrm>
           <a:prstGeom prst="straightConnector1">
@@ -4148,7 +4156,7 @@
         </p:nvSpPr>
         <p:spPr>
           <a:xfrm>
-            <a:off x="6951487" y="1651690"/>
+            <a:off x="4378818" y="1654432"/>
             <a:ext cx="1260281" cy="369332"/>
           </a:xfrm>
           <a:prstGeom prst="rect">
@@ -4185,7 +4193,7 @@
         </p:nvCxnSpPr>
         <p:spPr>
           <a:xfrm flipV="1">
-            <a:off x="7406747" y="3341821"/>
+            <a:off x="4834078" y="3344563"/>
             <a:ext cx="0" cy="1473199"/>
           </a:xfrm>
           <a:prstGeom prst="straightConnector1">
@@ -4229,7 +4237,7 @@
         </p:nvCxnSpPr>
         <p:spPr>
           <a:xfrm flipV="1">
-            <a:off x="7406747" y="3764696"/>
+            <a:off x="4834078" y="3767438"/>
             <a:ext cx="1314739" cy="1050324"/>
           </a:xfrm>
           <a:prstGeom prst="straightConnector1">
@@ -4273,7 +4281,7 @@
         </p:nvCxnSpPr>
         <p:spPr>
           <a:xfrm flipV="1">
-            <a:off x="7669016" y="3167833"/>
+            <a:off x="5096347" y="3170575"/>
             <a:ext cx="1937137" cy="1550700"/>
           </a:xfrm>
           <a:prstGeom prst="line">
@@ -4314,7 +4322,7 @@
         </p:nvSpPr>
         <p:spPr>
           <a:xfrm>
-            <a:off x="7699381" y="3600027"/>
+            <a:off x="5126712" y="3602769"/>
             <a:ext cx="1899684" cy="1145260"/>
           </a:xfrm>
           <a:custGeom>
@@ -4461,7 +4469,7 @@
         </p:nvCxnSpPr>
         <p:spPr>
           <a:xfrm>
-            <a:off x="9591977" y="2735640"/>
+            <a:off x="7019308" y="2738382"/>
             <a:ext cx="0" cy="432193"/>
           </a:xfrm>
           <a:prstGeom prst="straightConnector1">
@@ -4503,7 +4511,7 @@
         </p:nvSpPr>
         <p:spPr>
           <a:xfrm>
-            <a:off x="9680738" y="2743824"/>
+            <a:off x="7108069" y="2746566"/>
             <a:ext cx="998991" cy="276999"/>
           </a:xfrm>
           <a:prstGeom prst="rect">
@@ -4552,7 +4560,7 @@
         </p:nvCxnSpPr>
         <p:spPr>
           <a:xfrm>
-            <a:off x="9601746" y="3285081"/>
+            <a:off x="7029077" y="3287823"/>
             <a:ext cx="0" cy="241005"/>
           </a:xfrm>
           <a:prstGeom prst="straightConnector1">
@@ -4597,7 +4605,7 @@
         </p:nvCxnSpPr>
         <p:spPr>
           <a:xfrm flipH="1">
-            <a:off x="9436942" y="3279137"/>
+            <a:off x="6864273" y="3281879"/>
             <a:ext cx="163032" cy="166578"/>
           </a:xfrm>
           <a:prstGeom prst="straightConnector1">
@@ -4640,8 +4648,8 @@
         </p:nvSpPr>
         <p:spPr>
           <a:xfrm>
-            <a:off x="9687071" y="3279137"/>
-            <a:ext cx="1229824" cy="276999"/>
+            <a:off x="7114402" y="3281879"/>
+            <a:ext cx="518091" cy="276999"/>
           </a:xfrm>
           <a:prstGeom prst="rect">
             <a:avLst/>
@@ -4660,7 +4668,7 @@
                   <a:schemeClr val="accent4"/>
                 </a:solidFill>
               </a:rPr>
-              <a:t>u_z = -4.8265 m </a:t>
+              <a:t>u_z =</a:t>
             </a:r>
           </a:p>
         </p:txBody>
@@ -4679,8 +4687,8 @@
         </p:nvSpPr>
         <p:spPr>
           <a:xfrm>
-            <a:off x="8210116" y="3101035"/>
-            <a:ext cx="1239442" cy="276999"/>
+            <a:off x="6196689" y="3151330"/>
+            <a:ext cx="527709" cy="276999"/>
           </a:xfrm>
           <a:prstGeom prst="rect">
             <a:avLst/>
@@ -4699,7 +4707,7 @@
                   <a:schemeClr val="accent2"/>
                 </a:solidFill>
               </a:rPr>
-              <a:t>u_x = -1.5259 m </a:t>
+              <a:t>u_x =</a:t>
             </a:r>
           </a:p>
         </p:txBody>
@@ -4718,7 +4726,7 @@
         </p:nvSpPr>
         <p:spPr>
           <a:xfrm>
-            <a:off x="6926309" y="4875586"/>
+            <a:off x="4353640" y="4878328"/>
             <a:ext cx="256802" cy="276999"/>
           </a:xfrm>
           <a:prstGeom prst="rect">
@@ -4757,8 +4765,8 @@
         </p:nvSpPr>
         <p:spPr>
           <a:xfrm>
-            <a:off x="9684951" y="3010089"/>
-            <a:ext cx="838691" cy="276999"/>
+            <a:off x="7112282" y="3012831"/>
+            <a:ext cx="529312" cy="276999"/>
           </a:xfrm>
           <a:prstGeom prst="rect">
             <a:avLst/>
@@ -4771,13 +4779,21 @@
           </a:bodyPr>
           <a:lstStyle/>
           <a:p>
+            <a:r>
+              <a:rPr lang="en-US" sz="1200" b="1" dirty="0" err="1">
+                <a:solidFill>
+                  <a:schemeClr val="accent1"/>
+                </a:solidFill>
+              </a:rPr>
+              <a:t>u_y</a:t>
+            </a:r>
             <a:r>
               <a:rPr lang="en-US" sz="1200" b="1" dirty="0">
                 <a:solidFill>
                   <a:schemeClr val="accent1"/>
                 </a:solidFill>
               </a:rPr>
-              <a:t>u_y = 0 m </a:t>
+              <a:t> =</a:t>
             </a:r>
           </a:p>
         </p:txBody>
@@ -4796,7 +4812,7 @@
         </p:nvSpPr>
         <p:spPr>
           <a:xfrm>
-            <a:off x="8380782" y="3597285"/>
+            <a:off x="5808113" y="3600027"/>
             <a:ext cx="255198" cy="276999"/>
           </a:xfrm>
           <a:prstGeom prst="rect">
@@ -4835,7 +4851,7 @@
         </p:nvSpPr>
         <p:spPr>
           <a:xfrm>
-            <a:off x="7114114" y="3279137"/>
+            <a:off x="4541445" y="3281879"/>
             <a:ext cx="255198" cy="276999"/>
           </a:xfrm>
           <a:prstGeom prst="rect">
@@ -4856,6 +4872,781 @@
                 </a:solidFill>
               </a:rPr>
               <a:t>z</a:t>
+            </a:r>
+          </a:p>
+        </p:txBody>
+      </p:sp>
+      <p:cxnSp>
+        <p:nvCxnSpPr>
+          <p:cNvPr id="35" name="Straight Arrow Connector 34">
+            <a:extLst>
+              <a:ext uri="{FF2B5EF4-FFF2-40B4-BE49-F238E27FC236}">
+                <a16:creationId xmlns:a16="http://schemas.microsoft.com/office/drawing/2014/main" id="{A614544F-9329-D442-860F-BD5DA6B58E17}"/>
+              </a:ext>
+            </a:extLst>
+          </p:cNvPr>
+          <p:cNvCxnSpPr>
+            <a:cxnSpLocks/>
+          </p:cNvCxnSpPr>
+          <p:nvPr/>
+        </p:nvCxnSpPr>
+        <p:spPr>
+          <a:xfrm flipH="1">
+            <a:off x="8369404" y="4817762"/>
+            <a:ext cx="463248" cy="0"/>
+          </a:xfrm>
+          <a:prstGeom prst="straightConnector1">
+            <a:avLst/>
+          </a:prstGeom>
+          <a:ln w="38100">
+            <a:tailEnd type="triangle"/>
+          </a:ln>
+        </p:spPr>
+        <p:style>
+          <a:lnRef idx="1">
+            <a:schemeClr val="accent1"/>
+          </a:lnRef>
+          <a:fillRef idx="0">
+            <a:schemeClr val="accent1"/>
+          </a:fillRef>
+          <a:effectRef idx="0">
+            <a:schemeClr val="accent1"/>
+          </a:effectRef>
+          <a:fontRef idx="minor">
+            <a:schemeClr val="tx1"/>
+          </a:fontRef>
+        </p:style>
+      </p:cxnSp>
+      <p:sp>
+        <p:nvSpPr>
+          <p:cNvPr id="56" name="TextBox 55">
+            <a:extLst>
+              <a:ext uri="{FF2B5EF4-FFF2-40B4-BE49-F238E27FC236}">
+                <a16:creationId xmlns:a16="http://schemas.microsoft.com/office/drawing/2014/main" id="{AB29B1F8-A22D-3C46-8C83-5ACE2EAE921D}"/>
+              </a:ext>
+            </a:extLst>
+          </p:cNvPr>
+          <p:cNvSpPr txBox="1"/>
+          <p:nvPr/>
+        </p:nvSpPr>
+        <p:spPr>
+          <a:xfrm>
+            <a:off x="8369404" y="1654432"/>
+            <a:ext cx="906851" cy="369332"/>
+          </a:xfrm>
+          <a:prstGeom prst="rect">
+            <a:avLst/>
+          </a:prstGeom>
+          <a:noFill/>
+        </p:spPr>
+        <p:txBody>
+          <a:bodyPr wrap="none" rtlCol="0">
+            <a:spAutoFit/>
+          </a:bodyPr>
+          <a:lstStyle/>
+          <a:p>
+            <a:r>
+              <a:rPr lang="en-US" b="1" dirty="0"/>
+              <a:t>HAWC2</a:t>
+            </a:r>
+          </a:p>
+        </p:txBody>
+      </p:sp>
+      <p:cxnSp>
+        <p:nvCxnSpPr>
+          <p:cNvPr id="57" name="Straight Arrow Connector 56">
+            <a:extLst>
+              <a:ext uri="{FF2B5EF4-FFF2-40B4-BE49-F238E27FC236}">
+                <a16:creationId xmlns:a16="http://schemas.microsoft.com/office/drawing/2014/main" id="{D4D5267D-DDEC-FC40-8AD8-AFE43240BB67}"/>
+              </a:ext>
+            </a:extLst>
+          </p:cNvPr>
+          <p:cNvCxnSpPr>
+            <a:cxnSpLocks/>
+          </p:cNvCxnSpPr>
+          <p:nvPr/>
+        </p:nvCxnSpPr>
+        <p:spPr>
+          <a:xfrm flipV="1">
+            <a:off x="8824664" y="3344563"/>
+            <a:ext cx="0" cy="1473199"/>
+          </a:xfrm>
+          <a:prstGeom prst="straightConnector1">
+            <a:avLst/>
+          </a:prstGeom>
+          <a:ln w="38100">
+            <a:solidFill>
+              <a:schemeClr val="accent4"/>
+            </a:solidFill>
+            <a:tailEnd type="triangle"/>
+          </a:ln>
+        </p:spPr>
+        <p:style>
+          <a:lnRef idx="1">
+            <a:schemeClr val="accent1"/>
+          </a:lnRef>
+          <a:fillRef idx="0">
+            <a:schemeClr val="accent1"/>
+          </a:fillRef>
+          <a:effectRef idx="0">
+            <a:schemeClr val="accent1"/>
+          </a:effectRef>
+          <a:fontRef idx="minor">
+            <a:schemeClr val="tx1"/>
+          </a:fontRef>
+        </p:style>
+      </p:cxnSp>
+      <p:cxnSp>
+        <p:nvCxnSpPr>
+          <p:cNvPr id="58" name="Straight Arrow Connector 57">
+            <a:extLst>
+              <a:ext uri="{FF2B5EF4-FFF2-40B4-BE49-F238E27FC236}">
+                <a16:creationId xmlns:a16="http://schemas.microsoft.com/office/drawing/2014/main" id="{685D62C7-48EE-9941-95EB-0F7CFEAE5BDD}"/>
+              </a:ext>
+            </a:extLst>
+          </p:cNvPr>
+          <p:cNvCxnSpPr>
+            <a:cxnSpLocks/>
+          </p:cNvCxnSpPr>
+          <p:nvPr/>
+        </p:nvCxnSpPr>
+        <p:spPr>
+          <a:xfrm flipV="1">
+            <a:off x="8824664" y="3767438"/>
+            <a:ext cx="1314739" cy="1050324"/>
+          </a:xfrm>
+          <a:prstGeom prst="straightConnector1">
+            <a:avLst/>
+          </a:prstGeom>
+          <a:ln w="38100">
+            <a:solidFill>
+              <a:schemeClr val="accent2"/>
+            </a:solidFill>
+            <a:tailEnd type="triangle"/>
+          </a:ln>
+        </p:spPr>
+        <p:style>
+          <a:lnRef idx="1">
+            <a:schemeClr val="accent1"/>
+          </a:lnRef>
+          <a:fillRef idx="0">
+            <a:schemeClr val="accent1"/>
+          </a:fillRef>
+          <a:effectRef idx="0">
+            <a:schemeClr val="accent1"/>
+          </a:effectRef>
+          <a:fontRef idx="minor">
+            <a:schemeClr val="tx1"/>
+          </a:fontRef>
+        </p:style>
+      </p:cxnSp>
+      <p:cxnSp>
+        <p:nvCxnSpPr>
+          <p:cNvPr id="59" name="Straight Connector 58">
+            <a:extLst>
+              <a:ext uri="{FF2B5EF4-FFF2-40B4-BE49-F238E27FC236}">
+                <a16:creationId xmlns:a16="http://schemas.microsoft.com/office/drawing/2014/main" id="{D6D2D301-3A21-E548-BB00-A6524F7BC709}"/>
+              </a:ext>
+            </a:extLst>
+          </p:cNvPr>
+          <p:cNvCxnSpPr>
+            <a:cxnSpLocks/>
+          </p:cNvCxnSpPr>
+          <p:nvPr/>
+        </p:nvCxnSpPr>
+        <p:spPr>
+          <a:xfrm flipV="1">
+            <a:off x="9086933" y="3170575"/>
+            <a:ext cx="1937137" cy="1550700"/>
+          </a:xfrm>
+          <a:prstGeom prst="line">
+            <a:avLst/>
+          </a:prstGeom>
+          <a:ln w="25400">
+            <a:solidFill>
+              <a:schemeClr val="accent6"/>
+            </a:solidFill>
+          </a:ln>
+        </p:spPr>
+        <p:style>
+          <a:lnRef idx="1">
+            <a:schemeClr val="accent1"/>
+          </a:lnRef>
+          <a:fillRef idx="0">
+            <a:schemeClr val="accent1"/>
+          </a:fillRef>
+          <a:effectRef idx="0">
+            <a:schemeClr val="accent1"/>
+          </a:effectRef>
+          <a:fontRef idx="minor">
+            <a:schemeClr val="tx1"/>
+          </a:fontRef>
+        </p:style>
+      </p:cxnSp>
+      <p:sp>
+        <p:nvSpPr>
+          <p:cNvPr id="60" name="Freeform 59">
+            <a:extLst>
+              <a:ext uri="{FF2B5EF4-FFF2-40B4-BE49-F238E27FC236}">
+                <a16:creationId xmlns:a16="http://schemas.microsoft.com/office/drawing/2014/main" id="{9C4EB4DE-06BA-C040-97FC-B7738A43FBBF}"/>
+              </a:ext>
+            </a:extLst>
+          </p:cNvPr>
+          <p:cNvSpPr/>
+          <p:nvPr/>
+        </p:nvSpPr>
+        <p:spPr>
+          <a:xfrm>
+            <a:off x="9117298" y="3602769"/>
+            <a:ext cx="1899684" cy="1145260"/>
+          </a:xfrm>
+          <a:custGeom>
+            <a:avLst/>
+            <a:gdLst>
+              <a:gd name="connsiteX0" fmla="*/ 0 w 1864242"/>
+              <a:gd name="connsiteY0" fmla="*/ 1119963 h 1119963"/>
+              <a:gd name="connsiteX1" fmla="*/ 1141228 w 1864242"/>
+              <a:gd name="connsiteY1" fmla="*/ 198474 h 1119963"/>
+              <a:gd name="connsiteX2" fmla="*/ 1864242 w 1864242"/>
+              <a:gd name="connsiteY2" fmla="*/ 0 h 1119963"/>
+              <a:gd name="connsiteX0" fmla="*/ 0 w 1864242"/>
+              <a:gd name="connsiteY0" fmla="*/ 1123995 h 1123995"/>
+              <a:gd name="connsiteX1" fmla="*/ 1141228 w 1864242"/>
+              <a:gd name="connsiteY1" fmla="*/ 202506 h 1123995"/>
+              <a:gd name="connsiteX2" fmla="*/ 1864242 w 1864242"/>
+              <a:gd name="connsiteY2" fmla="*/ 4032 h 1123995"/>
+              <a:gd name="connsiteX0" fmla="*/ 0 w 1864242"/>
+              <a:gd name="connsiteY0" fmla="*/ 1123995 h 1123995"/>
+              <a:gd name="connsiteX1" fmla="*/ 1141228 w 1864242"/>
+              <a:gd name="connsiteY1" fmla="*/ 202506 h 1123995"/>
+              <a:gd name="connsiteX2" fmla="*/ 1864242 w 1864242"/>
+              <a:gd name="connsiteY2" fmla="*/ 4032 h 1123995"/>
+              <a:gd name="connsiteX0" fmla="*/ 0 w 1864242"/>
+              <a:gd name="connsiteY0" fmla="*/ 1123995 h 1123995"/>
+              <a:gd name="connsiteX1" fmla="*/ 1141228 w 1864242"/>
+              <a:gd name="connsiteY1" fmla="*/ 202506 h 1123995"/>
+              <a:gd name="connsiteX2" fmla="*/ 1864242 w 1864242"/>
+              <a:gd name="connsiteY2" fmla="*/ 4032 h 1123995"/>
+              <a:gd name="connsiteX0" fmla="*/ 0 w 1864242"/>
+              <a:gd name="connsiteY0" fmla="*/ 1123995 h 1123995"/>
+              <a:gd name="connsiteX1" fmla="*/ 1141228 w 1864242"/>
+              <a:gd name="connsiteY1" fmla="*/ 202506 h 1123995"/>
+              <a:gd name="connsiteX2" fmla="*/ 1864242 w 1864242"/>
+              <a:gd name="connsiteY2" fmla="*/ 4032 h 1123995"/>
+              <a:gd name="connsiteX0" fmla="*/ 0 w 1864242"/>
+              <a:gd name="connsiteY0" fmla="*/ 1123995 h 1123995"/>
+              <a:gd name="connsiteX1" fmla="*/ 1141228 w 1864242"/>
+              <a:gd name="connsiteY1" fmla="*/ 202506 h 1123995"/>
+              <a:gd name="connsiteX2" fmla="*/ 1864242 w 1864242"/>
+              <a:gd name="connsiteY2" fmla="*/ 4032 h 1123995"/>
+              <a:gd name="connsiteX0" fmla="*/ 0 w 1864242"/>
+              <a:gd name="connsiteY0" fmla="*/ 1123995 h 1123995"/>
+              <a:gd name="connsiteX1" fmla="*/ 1141228 w 1864242"/>
+              <a:gd name="connsiteY1" fmla="*/ 202506 h 1123995"/>
+              <a:gd name="connsiteX2" fmla="*/ 1864242 w 1864242"/>
+              <a:gd name="connsiteY2" fmla="*/ 4032 h 1123995"/>
+              <a:gd name="connsiteX0" fmla="*/ 0 w 1899684"/>
+              <a:gd name="connsiteY0" fmla="*/ 1145260 h 1145260"/>
+              <a:gd name="connsiteX1" fmla="*/ 1176670 w 1899684"/>
+              <a:gd name="connsiteY1" fmla="*/ 202506 h 1145260"/>
+              <a:gd name="connsiteX2" fmla="*/ 1899684 w 1899684"/>
+              <a:gd name="connsiteY2" fmla="*/ 4032 h 1145260"/>
+              <a:gd name="connsiteX0" fmla="*/ 0 w 1899684"/>
+              <a:gd name="connsiteY0" fmla="*/ 1145260 h 1145260"/>
+              <a:gd name="connsiteX1" fmla="*/ 1176670 w 1899684"/>
+              <a:gd name="connsiteY1" fmla="*/ 202506 h 1145260"/>
+              <a:gd name="connsiteX2" fmla="*/ 1899684 w 1899684"/>
+              <a:gd name="connsiteY2" fmla="*/ 4032 h 1145260"/>
+              <a:gd name="connsiteX0" fmla="*/ 0 w 1899684"/>
+              <a:gd name="connsiteY0" fmla="*/ 1145260 h 1145260"/>
+              <a:gd name="connsiteX1" fmla="*/ 1176670 w 1899684"/>
+              <a:gd name="connsiteY1" fmla="*/ 202506 h 1145260"/>
+              <a:gd name="connsiteX2" fmla="*/ 1899684 w 1899684"/>
+              <a:gd name="connsiteY2" fmla="*/ 4032 h 1145260"/>
+            </a:gdLst>
+            <a:ahLst/>
+            <a:cxnLst>
+              <a:cxn ang="0">
+                <a:pos x="connsiteX0" y="connsiteY0"/>
+              </a:cxn>
+              <a:cxn ang="0">
+                <a:pos x="connsiteX1" y="connsiteY1"/>
+              </a:cxn>
+              <a:cxn ang="0">
+                <a:pos x="connsiteX2" y="connsiteY2"/>
+              </a:cxn>
+            </a:cxnLst>
+            <a:rect l="l" t="t" r="r" b="b"/>
+            <a:pathLst>
+              <a:path w="1899684" h="1145260">
+                <a:moveTo>
+                  <a:pt x="0" y="1145260"/>
+                </a:moveTo>
+                <a:cubicBezTo>
+                  <a:pt x="372731" y="841641"/>
+                  <a:pt x="894317" y="417520"/>
+                  <a:pt x="1176670" y="202506"/>
+                </a:cubicBezTo>
+                <a:cubicBezTo>
+                  <a:pt x="1487377" y="15846"/>
+                  <a:pt x="1741378" y="-12507"/>
+                  <a:pt x="1899684" y="4032"/>
+                </a:cubicBezTo>
+              </a:path>
+            </a:pathLst>
+          </a:custGeom>
+          <a:noFill/>
+          <a:ln w="25400">
+            <a:solidFill>
+              <a:schemeClr val="accent6"/>
+            </a:solidFill>
+            <a:prstDash val="dash"/>
+          </a:ln>
+        </p:spPr>
+        <p:style>
+          <a:lnRef idx="2">
+            <a:schemeClr val="accent1">
+              <a:shade val="50000"/>
+            </a:schemeClr>
+          </a:lnRef>
+          <a:fillRef idx="1">
+            <a:schemeClr val="accent1"/>
+          </a:fillRef>
+          <a:effectRef idx="0">
+            <a:schemeClr val="accent1"/>
+          </a:effectRef>
+          <a:fontRef idx="minor">
+            <a:schemeClr val="lt1"/>
+          </a:fontRef>
+        </p:style>
+        <p:txBody>
+          <a:bodyPr rtlCol="0" anchor="ctr"/>
+          <a:lstStyle/>
+          <a:p>
+            <a:pPr algn="ctr"/>
+            <a:endParaRPr lang="en-US"/>
+          </a:p>
+        </p:txBody>
+      </p:sp>
+      <p:cxnSp>
+        <p:nvCxnSpPr>
+          <p:cNvPr id="61" name="Straight Arrow Connector 60">
+            <a:extLst>
+              <a:ext uri="{FF2B5EF4-FFF2-40B4-BE49-F238E27FC236}">
+                <a16:creationId xmlns:a16="http://schemas.microsoft.com/office/drawing/2014/main" id="{9E6F8DCF-A280-824A-BC0B-E544012F78EA}"/>
+              </a:ext>
+            </a:extLst>
+          </p:cNvPr>
+          <p:cNvCxnSpPr>
+            <a:cxnSpLocks/>
+          </p:cNvCxnSpPr>
+          <p:nvPr/>
+        </p:nvCxnSpPr>
+        <p:spPr>
+          <a:xfrm>
+            <a:off x="11009894" y="2738382"/>
+            <a:ext cx="0" cy="432193"/>
+          </a:xfrm>
+          <a:prstGeom prst="straightConnector1">
+            <a:avLst/>
+          </a:prstGeom>
+          <a:ln w="38100">
+            <a:solidFill>
+              <a:schemeClr val="accent4"/>
+            </a:solidFill>
+            <a:tailEnd type="triangle"/>
+          </a:ln>
+        </p:spPr>
+        <p:style>
+          <a:lnRef idx="1">
+            <a:schemeClr val="accent1"/>
+          </a:lnRef>
+          <a:fillRef idx="0">
+            <a:schemeClr val="accent1"/>
+          </a:fillRef>
+          <a:effectRef idx="0">
+            <a:schemeClr val="accent1"/>
+          </a:effectRef>
+          <a:fontRef idx="minor">
+            <a:schemeClr val="tx1"/>
+          </a:fontRef>
+        </p:style>
+      </p:cxnSp>
+      <p:sp>
+        <p:nvSpPr>
+          <p:cNvPr id="62" name="TextBox 61">
+            <a:extLst>
+              <a:ext uri="{FF2B5EF4-FFF2-40B4-BE49-F238E27FC236}">
+                <a16:creationId xmlns:a16="http://schemas.microsoft.com/office/drawing/2014/main" id="{381908BB-665A-B64F-A640-673C05240A46}"/>
+              </a:ext>
+            </a:extLst>
+          </p:cNvPr>
+          <p:cNvSpPr txBox="1"/>
+          <p:nvPr/>
+        </p:nvSpPr>
+        <p:spPr>
+          <a:xfrm>
+            <a:off x="11098655" y="2746566"/>
+            <a:ext cx="1010213" cy="276999"/>
+          </a:xfrm>
+          <a:prstGeom prst="rect">
+            <a:avLst/>
+          </a:prstGeom>
+          <a:noFill/>
+        </p:spPr>
+        <p:txBody>
+          <a:bodyPr wrap="none" rtlCol="0">
+            <a:spAutoFit/>
+          </a:bodyPr>
+          <a:lstStyle/>
+          <a:p>
+            <a:r>
+              <a:rPr lang="en-US" sz="1200" b="1">
+                <a:solidFill>
+                  <a:schemeClr val="accent4"/>
+                </a:solidFill>
+              </a:rPr>
+              <a:t>Fy </a:t>
+            </a:r>
+            <a:r>
+              <a:rPr lang="en-US" sz="1200" b="1" dirty="0">
+                <a:solidFill>
+                  <a:schemeClr val="accent4"/>
+                </a:solidFill>
+              </a:rPr>
+              <a:t>= -1.e+7 N</a:t>
+            </a:r>
+          </a:p>
+        </p:txBody>
+      </p:sp>
+      <p:cxnSp>
+        <p:nvCxnSpPr>
+          <p:cNvPr id="63" name="Straight Arrow Connector 62">
+            <a:extLst>
+              <a:ext uri="{FF2B5EF4-FFF2-40B4-BE49-F238E27FC236}">
+                <a16:creationId xmlns:a16="http://schemas.microsoft.com/office/drawing/2014/main" id="{6CAAF14B-3D6E-B845-A693-410057E978B7}"/>
+              </a:ext>
+            </a:extLst>
+          </p:cNvPr>
+          <p:cNvCxnSpPr>
+            <a:cxnSpLocks/>
+          </p:cNvCxnSpPr>
+          <p:nvPr/>
+        </p:nvCxnSpPr>
+        <p:spPr>
+          <a:xfrm>
+            <a:off x="11019663" y="3287823"/>
+            <a:ext cx="0" cy="241005"/>
+          </a:xfrm>
+          <a:prstGeom prst="straightConnector1">
+            <a:avLst/>
+          </a:prstGeom>
+          <a:ln w="38100">
+            <a:solidFill>
+              <a:schemeClr val="accent4"/>
+            </a:solidFill>
+            <a:headEnd type="oval"/>
+            <a:tailEnd type="oval"/>
+          </a:ln>
+        </p:spPr>
+        <p:style>
+          <a:lnRef idx="1">
+            <a:schemeClr val="accent1"/>
+          </a:lnRef>
+          <a:fillRef idx="0">
+            <a:schemeClr val="accent1"/>
+          </a:fillRef>
+          <a:effectRef idx="0">
+            <a:schemeClr val="accent1"/>
+          </a:effectRef>
+          <a:fontRef idx="minor">
+            <a:schemeClr val="tx1"/>
+          </a:fontRef>
+        </p:style>
+      </p:cxnSp>
+      <p:cxnSp>
+        <p:nvCxnSpPr>
+          <p:cNvPr id="64" name="Straight Arrow Connector 63">
+            <a:extLst>
+              <a:ext uri="{FF2B5EF4-FFF2-40B4-BE49-F238E27FC236}">
+                <a16:creationId xmlns:a16="http://schemas.microsoft.com/office/drawing/2014/main" id="{0DECCB5C-73C5-A644-8EBC-138070944CAA}"/>
+              </a:ext>
+            </a:extLst>
+          </p:cNvPr>
+          <p:cNvCxnSpPr>
+            <a:cxnSpLocks/>
+          </p:cNvCxnSpPr>
+          <p:nvPr/>
+        </p:nvCxnSpPr>
+        <p:spPr>
+          <a:xfrm flipH="1">
+            <a:off x="10854859" y="3281879"/>
+            <a:ext cx="163032" cy="166578"/>
+          </a:xfrm>
+          <a:prstGeom prst="straightConnector1">
+            <a:avLst/>
+          </a:prstGeom>
+          <a:ln w="38100">
+            <a:solidFill>
+              <a:schemeClr val="accent2"/>
+            </a:solidFill>
+            <a:headEnd type="oval"/>
+            <a:tailEnd type="oval"/>
+          </a:ln>
+        </p:spPr>
+        <p:style>
+          <a:lnRef idx="1">
+            <a:schemeClr val="accent1"/>
+          </a:lnRef>
+          <a:fillRef idx="0">
+            <a:schemeClr val="accent1"/>
+          </a:fillRef>
+          <a:effectRef idx="0">
+            <a:schemeClr val="accent1"/>
+          </a:effectRef>
+          <a:fontRef idx="minor">
+            <a:schemeClr val="tx1"/>
+          </a:fontRef>
+        </p:style>
+      </p:cxnSp>
+      <p:sp>
+        <p:nvSpPr>
+          <p:cNvPr id="65" name="TextBox 64">
+            <a:extLst>
+              <a:ext uri="{FF2B5EF4-FFF2-40B4-BE49-F238E27FC236}">
+                <a16:creationId xmlns:a16="http://schemas.microsoft.com/office/drawing/2014/main" id="{45EEFA29-C82B-5242-B8AE-A890FE89A9C9}"/>
+              </a:ext>
+            </a:extLst>
+          </p:cNvPr>
+          <p:cNvSpPr txBox="1"/>
+          <p:nvPr/>
+        </p:nvSpPr>
+        <p:spPr>
+          <a:xfrm>
+            <a:off x="11104988" y="3281879"/>
+            <a:ext cx="452368" cy="276999"/>
+          </a:xfrm>
+          <a:prstGeom prst="rect">
+            <a:avLst/>
+          </a:prstGeom>
+          <a:noFill/>
+        </p:spPr>
+        <p:txBody>
+          <a:bodyPr wrap="none" rtlCol="0">
+            <a:spAutoFit/>
+          </a:bodyPr>
+          <a:lstStyle/>
+          <a:p>
+            <a:r>
+              <a:rPr lang="en-US" sz="1200" b="1" dirty="0" err="1">
+                <a:solidFill>
+                  <a:schemeClr val="accent4"/>
+                </a:solidFill>
+              </a:rPr>
+              <a:t>u_y</a:t>
+            </a:r>
+            <a:r>
+              <a:rPr lang="en-US" sz="1200" b="1" dirty="0">
+                <a:solidFill>
+                  <a:schemeClr val="accent4"/>
+                </a:solidFill>
+              </a:rPr>
+              <a:t> </a:t>
+            </a:r>
+          </a:p>
+        </p:txBody>
+      </p:sp>
+      <p:sp>
+        <p:nvSpPr>
+          <p:cNvPr id="66" name="TextBox 65">
+            <a:extLst>
+              <a:ext uri="{FF2B5EF4-FFF2-40B4-BE49-F238E27FC236}">
+                <a16:creationId xmlns:a16="http://schemas.microsoft.com/office/drawing/2014/main" id="{956B0B82-EAB3-D845-9E11-AF3F7542254D}"/>
+              </a:ext>
+            </a:extLst>
+          </p:cNvPr>
+          <p:cNvSpPr txBox="1"/>
+          <p:nvPr/>
+        </p:nvSpPr>
+        <p:spPr>
+          <a:xfrm>
+            <a:off x="10280983" y="3141071"/>
+            <a:ext cx="476412" cy="276999"/>
+          </a:xfrm>
+          <a:prstGeom prst="rect">
+            <a:avLst/>
+          </a:prstGeom>
+          <a:noFill/>
+        </p:spPr>
+        <p:txBody>
+          <a:bodyPr wrap="none" rtlCol="0">
+            <a:spAutoFit/>
+          </a:bodyPr>
+          <a:lstStyle/>
+          <a:p>
+            <a:r>
+              <a:rPr lang="en-US" sz="1200" b="1" dirty="0">
+                <a:solidFill>
+                  <a:schemeClr val="accent2"/>
+                </a:solidFill>
+              </a:rPr>
+              <a:t>u_z  </a:t>
+            </a:r>
+          </a:p>
+        </p:txBody>
+      </p:sp>
+      <p:sp>
+        <p:nvSpPr>
+          <p:cNvPr id="67" name="TextBox 66">
+            <a:extLst>
+              <a:ext uri="{FF2B5EF4-FFF2-40B4-BE49-F238E27FC236}">
+                <a16:creationId xmlns:a16="http://schemas.microsoft.com/office/drawing/2014/main" id="{508C6416-4330-C142-A6B0-86D9C9169701}"/>
+              </a:ext>
+            </a:extLst>
+          </p:cNvPr>
+          <p:cNvSpPr txBox="1"/>
+          <p:nvPr/>
+        </p:nvSpPr>
+        <p:spPr>
+          <a:xfrm>
+            <a:off x="8344226" y="4878328"/>
+            <a:ext cx="256802" cy="276999"/>
+          </a:xfrm>
+          <a:prstGeom prst="rect">
+            <a:avLst/>
+          </a:prstGeom>
+          <a:noFill/>
+        </p:spPr>
+        <p:txBody>
+          <a:bodyPr wrap="none" rtlCol="0">
+            <a:spAutoFit/>
+          </a:bodyPr>
+          <a:lstStyle/>
+          <a:p>
+            <a:r>
+              <a:rPr lang="en-US" sz="1200" b="1" dirty="0">
+                <a:solidFill>
+                  <a:schemeClr val="accent1"/>
+                </a:solidFill>
+              </a:rPr>
+              <a:t>x</a:t>
+            </a:r>
+          </a:p>
+        </p:txBody>
+      </p:sp>
+      <p:sp>
+        <p:nvSpPr>
+          <p:cNvPr id="68" name="TextBox 67">
+            <a:extLst>
+              <a:ext uri="{FF2B5EF4-FFF2-40B4-BE49-F238E27FC236}">
+                <a16:creationId xmlns:a16="http://schemas.microsoft.com/office/drawing/2014/main" id="{8D601012-AD75-AB40-9E94-B0737E410E1E}"/>
+              </a:ext>
+            </a:extLst>
+          </p:cNvPr>
+          <p:cNvSpPr txBox="1"/>
+          <p:nvPr/>
+        </p:nvSpPr>
+        <p:spPr>
+          <a:xfrm>
+            <a:off x="11102868" y="3012831"/>
+            <a:ext cx="450764" cy="276999"/>
+          </a:xfrm>
+          <a:prstGeom prst="rect">
+            <a:avLst/>
+          </a:prstGeom>
+          <a:noFill/>
+        </p:spPr>
+        <p:txBody>
+          <a:bodyPr wrap="none" rtlCol="0">
+            <a:spAutoFit/>
+          </a:bodyPr>
+          <a:lstStyle/>
+          <a:p>
+            <a:r>
+              <a:rPr lang="en-US" sz="1200" b="1" dirty="0">
+                <a:solidFill>
+                  <a:schemeClr val="accent1"/>
+                </a:solidFill>
+              </a:rPr>
+              <a:t>u_x </a:t>
+            </a:r>
+          </a:p>
+        </p:txBody>
+      </p:sp>
+      <p:sp>
+        <p:nvSpPr>
+          <p:cNvPr id="69" name="TextBox 68">
+            <a:extLst>
+              <a:ext uri="{FF2B5EF4-FFF2-40B4-BE49-F238E27FC236}">
+                <a16:creationId xmlns:a16="http://schemas.microsoft.com/office/drawing/2014/main" id="{01760409-8DA0-F94D-BCD1-DF6815D53494}"/>
+              </a:ext>
+            </a:extLst>
+          </p:cNvPr>
+          <p:cNvSpPr txBox="1"/>
+          <p:nvPr/>
+        </p:nvSpPr>
+        <p:spPr>
+          <a:xfrm>
+            <a:off x="9798699" y="3600027"/>
+            <a:ext cx="255198" cy="276999"/>
+          </a:xfrm>
+          <a:prstGeom prst="rect">
+            <a:avLst/>
+          </a:prstGeom>
+          <a:noFill/>
+        </p:spPr>
+        <p:txBody>
+          <a:bodyPr wrap="none" rtlCol="0">
+            <a:spAutoFit/>
+          </a:bodyPr>
+          <a:lstStyle/>
+          <a:p>
+            <a:r>
+              <a:rPr lang="en-US" sz="1200" b="1" dirty="0">
+                <a:solidFill>
+                  <a:schemeClr val="accent2"/>
+                </a:solidFill>
+              </a:rPr>
+              <a:t>z</a:t>
+            </a:r>
+          </a:p>
+        </p:txBody>
+      </p:sp>
+      <p:sp>
+        <p:nvSpPr>
+          <p:cNvPr id="70" name="TextBox 69">
+            <a:extLst>
+              <a:ext uri="{FF2B5EF4-FFF2-40B4-BE49-F238E27FC236}">
+                <a16:creationId xmlns:a16="http://schemas.microsoft.com/office/drawing/2014/main" id="{699AC6AA-5C8D-8441-997D-D414B180E612}"/>
+              </a:ext>
+            </a:extLst>
+          </p:cNvPr>
+          <p:cNvSpPr txBox="1"/>
+          <p:nvPr/>
+        </p:nvSpPr>
+        <p:spPr>
+          <a:xfrm>
+            <a:off x="8532031" y="3281879"/>
+            <a:ext cx="256802" cy="276999"/>
+          </a:xfrm>
+          <a:prstGeom prst="rect">
+            <a:avLst/>
+          </a:prstGeom>
+          <a:noFill/>
+        </p:spPr>
+        <p:txBody>
+          <a:bodyPr wrap="none" rtlCol="0">
+            <a:spAutoFit/>
+          </a:bodyPr>
+          <a:lstStyle/>
+          <a:p>
+            <a:r>
+              <a:rPr lang="en-US" sz="1200" b="1" dirty="0">
+                <a:solidFill>
+                  <a:schemeClr val="accent4"/>
+                </a:solidFill>
+              </a:rPr>
+              <a:t>y</a:t>
             </a:r>
           </a:p>
         </p:txBody>
